--- a/Documents/EMC Support Request.pptx
+++ b/Documents/EMC Support Request.pptx
@@ -310,7 +310,7 @@
         <p:nvSpPr>
           <p:cNvPr id="3076" name="Rectangle 4"/>
           <p:cNvSpPr>
-            <a:spLocks noRot="1" noChangeArrowheads="1" noTextEdit="1"/>
+            <a:spLocks noGrp="1" noRot="1" noChangeAspect="1" noChangeArrowheads="1" noTextEdit="1"/>
           </p:cNvSpPr>
           <p:nvPr>
             <p:ph type="sldImg" idx="2"/>
@@ -767,7 +767,7 @@
         <p:nvSpPr>
           <p:cNvPr id="4098" name="Rectangle 2"/>
           <p:cNvSpPr>
-            <a:spLocks noRot="1" noChangeArrowheads="1" noTextEdit="1"/>
+            <a:spLocks noGrp="1" noRot="1" noChangeAspect="1" noChangeArrowheads="1" noTextEdit="1"/>
           </p:cNvSpPr>
           <p:nvPr>
             <p:ph type="sldImg"/>
@@ -3350,7 +3350,6 @@
               <a:rPr lang="en-US" smtClean="0"/>
               <a:t>Click to edit Master title style</a:t>
             </a:r>
-            <a:endParaRPr lang="en-US" smtClean="0"/>
           </a:p>
         </p:txBody>
       </p:sp>
@@ -3447,7 +3446,6 @@
               <a:rPr lang="en-US" smtClean="0"/>
               <a:t>Fifth level</a:t>
             </a:r>
-            <a:endParaRPr lang="en-US" smtClean="0"/>
           </a:p>
         </p:txBody>
       </p:sp>
@@ -5450,7 +5448,7 @@
         </p:blipFill>
         <p:spPr bwMode="auto">
           <a:xfrm>
-            <a:off x="335649" y="280632"/>
+            <a:off x="335649" y="1140114"/>
             <a:ext cx="2724150" cy="2857500"/>
           </a:xfrm>
           <a:prstGeom prst="rect">
@@ -5565,7 +5563,7 @@
         </p:nvSpPr>
         <p:spPr bwMode="auto">
           <a:xfrm>
-            <a:off x="3316406" y="1433015"/>
+            <a:off x="3316405" y="2210937"/>
             <a:ext cx="614149" cy="476392"/>
           </a:xfrm>
           <a:prstGeom prst="rightArrow">
@@ -5653,6 +5651,80 @@
               <a:t>Select Service Request or Part Replacement if need to replace fault hardware </a:t>
             </a:r>
             <a:endParaRPr lang="en-US" b="1">
+              <a:solidFill>
+                <a:srgbClr val="FF0000"/>
+              </a:solidFill>
+            </a:endParaRPr>
+          </a:p>
+        </p:txBody>
+      </p:sp>
+      <p:sp>
+        <p:nvSpPr>
+          <p:cNvPr id="2" name="TextBox 1"/>
+          <p:cNvSpPr txBox="1"/>
+          <p:nvPr/>
+        </p:nvSpPr>
+        <p:spPr>
+          <a:xfrm>
+            <a:off x="282408" y="335223"/>
+            <a:ext cx="2830632" cy="461665"/>
+          </a:xfrm>
+          <a:prstGeom prst="rect">
+            <a:avLst/>
+          </a:prstGeom>
+          <a:noFill/>
+        </p:spPr>
+        <p:txBody>
+          <a:bodyPr wrap="square" rtlCol="0">
+            <a:spAutoFit/>
+          </a:bodyPr>
+          <a:lstStyle/>
+          <a:p>
+            <a:pPr algn="l"/>
+            <a:r>
+              <a:rPr lang="en-US" smtClean="0">
+                <a:solidFill>
+                  <a:srgbClr val="FF0000"/>
+                </a:solidFill>
+              </a:rPr>
+              <a:t>Username: </a:t>
+            </a:r>
+            <a:r>
+              <a:rPr lang="en-US">
+                <a:solidFill>
+                  <a:srgbClr val="FF0000"/>
+                </a:solidFill>
+              </a:rPr>
+              <a:t>dung.le@lgcns.com</a:t>
+            </a:r>
+          </a:p>
+          <a:p>
+            <a:pPr algn="l"/>
+            <a:r>
+              <a:rPr lang="en-US">
+                <a:solidFill>
+                  <a:srgbClr val="FF0000"/>
+                </a:solidFill>
+              </a:rPr>
+              <a:t>Password</a:t>
+            </a:r>
+            <a:r>
+              <a:rPr lang="en-US">
+                <a:solidFill>
+                  <a:srgbClr val="FF0000"/>
+                </a:solidFill>
+              </a:rPr>
+              <a:t>: </a:t>
+            </a:r>
+            <a:r>
+              <a:rPr lang="en-US" smtClean="0">
+                <a:solidFill>
+                  <a:srgbClr val="FF0000"/>
+                </a:solidFill>
+              </a:rPr>
+              <a:t> LGDVH_CNSAdm2017</a:t>
+            </a:r>
+            <a:endParaRPr lang="en-US">
               <a:solidFill>
                 <a:srgbClr val="FF0000"/>
               </a:solidFill>
